--- a/mobileAppProject/RecyclingApp/202160040김성보 모바일앱개발.pptx
+++ b/mobileAppProject/RecyclingApp/202160040김성보 모바일앱개발.pptx
@@ -4198,7 +4198,9 @@
                 <a:solidFill>
                   <a:schemeClr val="bg1"/>
                 </a:solidFill>
-                <a:latin typeface="+mn-ea"/>
+                <a:latin typeface="함초롬돋움" panose="020B0604000101010101" pitchFamily="50" charset="-127"/>
+                <a:ea typeface="함초롬돋움" panose="020B0604000101010101" pitchFamily="50" charset="-127"/>
+                <a:cs typeface="함초롬돋움" panose="020B0604000101010101" pitchFamily="50" charset="-127"/>
               </a:rPr>
               <a:t>2025 1</a:t>
             </a:r>
@@ -4207,7 +4209,9 @@
                 <a:solidFill>
                   <a:schemeClr val="bg1"/>
                 </a:solidFill>
-                <a:latin typeface="+mn-ea"/>
+                <a:latin typeface="함초롬돋움" panose="020B0604000101010101" pitchFamily="50" charset="-127"/>
+                <a:ea typeface="함초롬돋움" panose="020B0604000101010101" pitchFamily="50" charset="-127"/>
+                <a:cs typeface="함초롬돋움" panose="020B0604000101010101" pitchFamily="50" charset="-127"/>
               </a:rPr>
               <a:t>학기</a:t>
             </a:r>
@@ -4215,7 +4219,9 @@
               <a:solidFill>
                 <a:schemeClr val="bg1"/>
               </a:solidFill>
-              <a:latin typeface="+mn-ea"/>
+              <a:latin typeface="함초롬돋움" panose="020B0604000101010101" pitchFamily="50" charset="-127"/>
+              <a:ea typeface="함초롬돋움" panose="020B0604000101010101" pitchFamily="50" charset="-127"/>
+              <a:cs typeface="함초롬돋움" panose="020B0604000101010101" pitchFamily="50" charset="-127"/>
             </a:endParaRPr>
           </a:p>
           <a:p>
@@ -4224,7 +4230,9 @@
                 <a:solidFill>
                   <a:schemeClr val="bg1"/>
                 </a:solidFill>
-                <a:latin typeface="+mn-ea"/>
+                <a:latin typeface="함초롬돋움" panose="020B0604000101010101" pitchFamily="50" charset="-127"/>
+                <a:ea typeface="함초롬돋움" panose="020B0604000101010101" pitchFamily="50" charset="-127"/>
+                <a:cs typeface="함초롬돋움" panose="020B0604000101010101" pitchFamily="50" charset="-127"/>
               </a:rPr>
               <a:t>모바일 앱 개발</a:t>
             </a:r>
@@ -4319,16 +4327,20 @@
                 <a:solidFill>
                   <a:schemeClr val="bg1"/>
                 </a:solidFill>
-                <a:latin typeface="+mn-ea"/>
+                <a:latin typeface="함초롬돋움" panose="020B0604000101010101" pitchFamily="50" charset="-127"/>
+                <a:ea typeface="함초롬돋움" panose="020B0604000101010101" pitchFamily="50" charset="-127"/>
+                <a:cs typeface="함초롬돋움" panose="020B0604000101010101" pitchFamily="50" charset="-127"/>
               </a:rPr>
               <a:t> </a:t>
             </a:r>
             <a:r>
-              <a:rPr lang="ko-KR" altLang="en-US" sz="1400" dirty="0">
+              <a:rPr lang="ko-KR" altLang="en-US" sz="1400" dirty="0" err="1">
                 <a:solidFill>
                   <a:schemeClr val="bg1"/>
                 </a:solidFill>
-                <a:latin typeface="+mn-ea"/>
+                <a:latin typeface="함초롬돋움" panose="020B0604000101010101" pitchFamily="50" charset="-127"/>
+                <a:ea typeface="함초롬돋움" panose="020B0604000101010101" pitchFamily="50" charset="-127"/>
+                <a:cs typeface="함초롬돋움" panose="020B0604000101010101" pitchFamily="50" charset="-127"/>
               </a:rPr>
               <a:t>김성보</a:t>
             </a:r>
@@ -4336,8 +4348,53 @@
               <a:solidFill>
                 <a:schemeClr val="bg1"/>
               </a:solidFill>
-              <a:latin typeface="+mn-ea"/>
+              <a:latin typeface="함초롬돋움" panose="020B0604000101010101" pitchFamily="50" charset="-127"/>
+              <a:ea typeface="함초롬돋움" panose="020B0604000101010101" pitchFamily="50" charset="-127"/>
+              <a:cs typeface="함초롬돋움" panose="020B0604000101010101" pitchFamily="50" charset="-127"/>
             </a:endParaRPr>
+          </a:p>
+        </p:txBody>
+      </p:sp>
+      <p:sp>
+        <p:nvSpPr>
+          <p:cNvPr id="7" name="TextBox 6">
+            <a:extLst>
+              <a:ext uri="{FF2B5EF4-FFF2-40B4-BE49-F238E27FC236}">
+                <a16:creationId xmlns:a16="http://schemas.microsoft.com/office/drawing/2014/main" id="{AA5A6C41-F6EC-4BDA-BAA4-52336B5A459B}"/>
+              </a:ext>
+            </a:extLst>
+          </p:cNvPr>
+          <p:cNvSpPr txBox="1"/>
+          <p:nvPr/>
+        </p:nvSpPr>
+        <p:spPr>
+          <a:xfrm>
+            <a:off x="71154" y="6349611"/>
+            <a:ext cx="5197257" cy="369332"/>
+          </a:xfrm>
+          <a:prstGeom prst="rect">
+            <a:avLst/>
+          </a:prstGeom>
+          <a:noFill/>
+        </p:spPr>
+        <p:txBody>
+          <a:bodyPr wrap="none" rtlCol="0">
+            <a:spAutoFit/>
+          </a:bodyPr>
+          <a:lstStyle/>
+          <a:p>
+            <a:pPr algn="r"/>
+            <a:r>
+              <a:rPr lang="en-US" altLang="ko-KR" dirty="0">
+                <a:solidFill>
+                  <a:schemeClr val="bg1"/>
+                </a:solidFill>
+                <a:latin typeface="함초롬돋움" panose="020B0604000101010101" pitchFamily="50" charset="-127"/>
+                <a:ea typeface="함초롬돋움" panose="020B0604000101010101" pitchFamily="50" charset="-127"/>
+                <a:cs typeface="함초롬돋움" panose="020B0604000101010101" pitchFamily="50" charset="-127"/>
+              </a:rPr>
+              <a:t>https://github.com/kimsungbo1593/mobileApp</a:t>
+            </a:r>
           </a:p>
         </p:txBody>
       </p:sp>
@@ -7424,6 +7481,114 @@
           <a:chExt cx="0" cy="0"/>
         </a:xfrm>
       </p:grpSpPr>
+      <p:pic>
+        <p:nvPicPr>
+          <p:cNvPr id="16" name="그림 15">
+            <a:extLst>
+              <a:ext uri="{FF2B5EF4-FFF2-40B4-BE49-F238E27FC236}">
+                <a16:creationId xmlns:a16="http://schemas.microsoft.com/office/drawing/2014/main" id="{39A974E2-6577-4884-B71A-D5F41F31A53A}"/>
+              </a:ext>
+            </a:extLst>
+          </p:cNvPr>
+          <p:cNvPicPr>
+            <a:picLocks noChangeAspect="1"/>
+          </p:cNvPicPr>
+          <p:nvPr/>
+        </p:nvPicPr>
+        <p:blipFill>
+          <a:blip r:embed="rId2" cstate="screen">
+            <a:extLst>
+              <a:ext uri="{28A0092B-C50C-407E-A947-70E740481C1C}">
+                <a14:useLocalDpi xmlns:a14="http://schemas.microsoft.com/office/drawing/2010/main" val="0"/>
+              </a:ext>
+            </a:extLst>
+          </a:blip>
+          <a:stretch>
+            <a:fillRect/>
+          </a:stretch>
+        </p:blipFill>
+        <p:spPr>
+          <a:xfrm>
+            <a:off x="8650180" y="1778993"/>
+            <a:ext cx="1868084" cy="3773233"/>
+          </a:xfrm>
+          <a:prstGeom prst="rect">
+            <a:avLst/>
+          </a:prstGeom>
+        </p:spPr>
+      </p:pic>
+      <p:pic>
+        <p:nvPicPr>
+          <p:cNvPr id="14" name="그림 13">
+            <a:extLst>
+              <a:ext uri="{FF2B5EF4-FFF2-40B4-BE49-F238E27FC236}">
+                <a16:creationId xmlns:a16="http://schemas.microsoft.com/office/drawing/2014/main" id="{0ABC186E-FEE1-484F-9440-E03BE858D273}"/>
+              </a:ext>
+            </a:extLst>
+          </p:cNvPr>
+          <p:cNvPicPr>
+            <a:picLocks noChangeAspect="1"/>
+          </p:cNvPicPr>
+          <p:nvPr/>
+        </p:nvPicPr>
+        <p:blipFill>
+          <a:blip r:embed="rId3" cstate="screen">
+            <a:extLst>
+              <a:ext uri="{28A0092B-C50C-407E-A947-70E740481C1C}">
+                <a14:useLocalDpi xmlns:a14="http://schemas.microsoft.com/office/drawing/2010/main" val="0"/>
+              </a:ext>
+            </a:extLst>
+          </a:blip>
+          <a:stretch>
+            <a:fillRect/>
+          </a:stretch>
+        </p:blipFill>
+        <p:spPr>
+          <a:xfrm>
+            <a:off x="1353961" y="1778996"/>
+            <a:ext cx="1868084" cy="3773233"/>
+          </a:xfrm>
+          <a:prstGeom prst="rect">
+            <a:avLst/>
+          </a:prstGeom>
+        </p:spPr>
+      </p:pic>
+      <p:pic>
+        <p:nvPicPr>
+          <p:cNvPr id="18" name="그림 17">
+            <a:extLst>
+              <a:ext uri="{FF2B5EF4-FFF2-40B4-BE49-F238E27FC236}">
+                <a16:creationId xmlns:a16="http://schemas.microsoft.com/office/drawing/2014/main" id="{508CB5AA-F5E1-473F-BC22-EBDA44B32B27}"/>
+              </a:ext>
+            </a:extLst>
+          </p:cNvPr>
+          <p:cNvPicPr>
+            <a:picLocks noChangeAspect="1"/>
+          </p:cNvPicPr>
+          <p:nvPr/>
+        </p:nvPicPr>
+        <p:blipFill>
+          <a:blip r:embed="rId4" cstate="screen">
+            <a:extLst>
+              <a:ext uri="{28A0092B-C50C-407E-A947-70E740481C1C}">
+                <a14:useLocalDpi xmlns:a14="http://schemas.microsoft.com/office/drawing/2010/main" val="0"/>
+              </a:ext>
+            </a:extLst>
+          </a:blip>
+          <a:stretch>
+            <a:fillRect/>
+          </a:stretch>
+        </p:blipFill>
+        <p:spPr>
+          <a:xfrm>
+            <a:off x="5057859" y="1778993"/>
+            <a:ext cx="1868084" cy="3773233"/>
+          </a:xfrm>
+          <a:prstGeom prst="rect">
+            <a:avLst/>
+          </a:prstGeom>
+        </p:spPr>
+      </p:pic>
       <p:grpSp>
         <p:nvGrpSpPr>
           <p:cNvPr id="2" name="그룹 1">
@@ -7751,114 +7916,6 @@
           </a:p>
         </p:txBody>
       </p:sp>
-      <p:pic>
-        <p:nvPicPr>
-          <p:cNvPr id="5" name="그림 4">
-            <a:extLst>
-              <a:ext uri="{FF2B5EF4-FFF2-40B4-BE49-F238E27FC236}">
-                <a16:creationId xmlns:a16="http://schemas.microsoft.com/office/drawing/2014/main" id="{D2F55380-390F-494C-881B-AD88E9E8B6DE}"/>
-              </a:ext>
-            </a:extLst>
-          </p:cNvPr>
-          <p:cNvPicPr>
-            <a:picLocks noChangeAspect="1"/>
-          </p:cNvPicPr>
-          <p:nvPr/>
-        </p:nvPicPr>
-        <p:blipFill>
-          <a:blip r:embed="rId2" cstate="screen">
-            <a:extLst>
-              <a:ext uri="{28A0092B-C50C-407E-A947-70E740481C1C}">
-                <a14:useLocalDpi xmlns:a14="http://schemas.microsoft.com/office/drawing/2010/main" val="0"/>
-              </a:ext>
-            </a:extLst>
-          </a:blip>
-          <a:stretch>
-            <a:fillRect/>
-          </a:stretch>
-        </p:blipFill>
-        <p:spPr>
-          <a:xfrm>
-            <a:off x="1349907" y="1778999"/>
-            <a:ext cx="1876191" cy="3300001"/>
-          </a:xfrm>
-          <a:prstGeom prst="rect">
-            <a:avLst/>
-          </a:prstGeom>
-        </p:spPr>
-      </p:pic>
-      <p:pic>
-        <p:nvPicPr>
-          <p:cNvPr id="9" name="그림 8">
-            <a:extLst>
-              <a:ext uri="{FF2B5EF4-FFF2-40B4-BE49-F238E27FC236}">
-                <a16:creationId xmlns:a16="http://schemas.microsoft.com/office/drawing/2014/main" id="{ECA78621-A0A5-4FAE-B994-E0FD58C6DB15}"/>
-              </a:ext>
-            </a:extLst>
-          </p:cNvPr>
-          <p:cNvPicPr>
-            <a:picLocks noChangeAspect="1"/>
-          </p:cNvPicPr>
-          <p:nvPr/>
-        </p:nvPicPr>
-        <p:blipFill>
-          <a:blip r:embed="rId3" cstate="screen">
-            <a:extLst>
-              <a:ext uri="{28A0092B-C50C-407E-A947-70E740481C1C}">
-                <a14:useLocalDpi xmlns:a14="http://schemas.microsoft.com/office/drawing/2010/main" val="0"/>
-              </a:ext>
-            </a:extLst>
-          </a:blip>
-          <a:stretch>
-            <a:fillRect/>
-          </a:stretch>
-        </p:blipFill>
-        <p:spPr>
-          <a:xfrm>
-            <a:off x="4991219" y="1778999"/>
-            <a:ext cx="1889785" cy="3300001"/>
-          </a:xfrm>
-          <a:prstGeom prst="rect">
-            <a:avLst/>
-          </a:prstGeom>
-        </p:spPr>
-      </p:pic>
-      <p:pic>
-        <p:nvPicPr>
-          <p:cNvPr id="11" name="그림 10">
-            <a:extLst>
-              <a:ext uri="{FF2B5EF4-FFF2-40B4-BE49-F238E27FC236}">
-                <a16:creationId xmlns:a16="http://schemas.microsoft.com/office/drawing/2014/main" id="{53C424C7-CEF2-43B2-9B08-AF9F45446D21}"/>
-              </a:ext>
-            </a:extLst>
-          </p:cNvPr>
-          <p:cNvPicPr>
-            <a:picLocks noChangeAspect="1"/>
-          </p:cNvPicPr>
-          <p:nvPr/>
-        </p:nvPicPr>
-        <p:blipFill>
-          <a:blip r:embed="rId4" cstate="screen">
-            <a:extLst>
-              <a:ext uri="{28A0092B-C50C-407E-A947-70E740481C1C}">
-                <a14:useLocalDpi xmlns:a14="http://schemas.microsoft.com/office/drawing/2010/main" val="0"/>
-              </a:ext>
-            </a:extLst>
-          </a:blip>
-          <a:stretch>
-            <a:fillRect/>
-          </a:stretch>
-        </p:blipFill>
-        <p:spPr>
-          <a:xfrm>
-            <a:off x="8646125" y="1778998"/>
-            <a:ext cx="1880953" cy="3300001"/>
-          </a:xfrm>
-          <a:prstGeom prst="rect">
-            <a:avLst/>
-          </a:prstGeom>
-        </p:spPr>
-      </p:pic>
     </p:spTree>
     <p:extLst>
       <p:ext uri="{BB962C8B-B14F-4D97-AF65-F5344CB8AC3E}">
@@ -7906,7 +7963,7 @@
           <p:cNvPr id="16" name="그림 15">
             <a:extLst>
               <a:ext uri="{FF2B5EF4-FFF2-40B4-BE49-F238E27FC236}">
-                <a16:creationId xmlns:a16="http://schemas.microsoft.com/office/drawing/2014/main" id="{D9BFF8B4-C74C-4E15-976F-6020641420A4}"/>
+                <a16:creationId xmlns:a16="http://schemas.microsoft.com/office/drawing/2014/main" id="{8840BDD4-86D5-4CC0-9EA0-EE3DDDA96729}"/>
               </a:ext>
             </a:extLst>
           </p:cNvPr>
@@ -7929,8 +7986,8 @@
         </p:blipFill>
         <p:spPr>
           <a:xfrm>
-            <a:off x="8646124" y="1778997"/>
-            <a:ext cx="1880953" cy="3304631"/>
+            <a:off x="6465080" y="1417708"/>
+            <a:ext cx="1869529" cy="3776151"/>
           </a:xfrm>
           <a:prstGeom prst="rect">
             <a:avLst/>
@@ -7939,10 +7996,10 @@
       </p:pic>
       <p:pic>
         <p:nvPicPr>
-          <p:cNvPr id="14" name="그림 13">
-            <a:extLst>
-              <a:ext uri="{FF2B5EF4-FFF2-40B4-BE49-F238E27FC236}">
-                <a16:creationId xmlns:a16="http://schemas.microsoft.com/office/drawing/2014/main" id="{080E7DEB-B9F4-4CCF-A3BB-78DA389E3828}"/>
+          <p:cNvPr id="9" name="그림 8">
+            <a:extLst>
+              <a:ext uri="{FF2B5EF4-FFF2-40B4-BE49-F238E27FC236}">
+                <a16:creationId xmlns:a16="http://schemas.microsoft.com/office/drawing/2014/main" id="{ACB0D824-03A8-4683-BA0E-7D321F3C2CD0}"/>
               </a:ext>
             </a:extLst>
           </p:cNvPr>
@@ -7965,8 +8022,8 @@
         </p:blipFill>
         <p:spPr>
           <a:xfrm>
-            <a:off x="5011779" y="1778997"/>
-            <a:ext cx="1886390" cy="3300001"/>
+            <a:off x="3466782" y="1417708"/>
+            <a:ext cx="1869529" cy="3776153"/>
           </a:xfrm>
           <a:prstGeom prst="rect">
             <a:avLst/>
@@ -7975,10 +8032,10 @@
       </p:pic>
       <p:pic>
         <p:nvPicPr>
-          <p:cNvPr id="8" name="그림 7">
-            <a:extLst>
-              <a:ext uri="{FF2B5EF4-FFF2-40B4-BE49-F238E27FC236}">
-                <a16:creationId xmlns:a16="http://schemas.microsoft.com/office/drawing/2014/main" id="{BF7CCF01-E57E-400C-9D45-142DB81192CA}"/>
+          <p:cNvPr id="5" name="그림 4">
+            <a:extLst>
+              <a:ext uri="{FF2B5EF4-FFF2-40B4-BE49-F238E27FC236}">
+                <a16:creationId xmlns:a16="http://schemas.microsoft.com/office/drawing/2014/main" id="{0F20856E-5078-4C64-AA7B-A4FE85A25735}"/>
               </a:ext>
             </a:extLst>
           </p:cNvPr>
@@ -8001,8 +8058,8 @@
         </p:blipFill>
         <p:spPr>
           <a:xfrm>
-            <a:off x="1349907" y="1778998"/>
-            <a:ext cx="1869529" cy="3300001"/>
+            <a:off x="9463378" y="1417707"/>
+            <a:ext cx="1869529" cy="3776151"/>
           </a:xfrm>
           <a:prstGeom prst="rect">
             <a:avLst/>
@@ -8198,7 +8255,7 @@
         </p:nvSpPr>
         <p:spPr>
           <a:xfrm flipH="1">
-            <a:off x="1443617" y="5738568"/>
+            <a:off x="901750" y="5738567"/>
             <a:ext cx="1688772" cy="369332"/>
           </a:xfrm>
           <a:prstGeom prst="rect">
@@ -8244,7 +8301,7 @@
         </p:nvSpPr>
         <p:spPr>
           <a:xfrm flipH="1">
-            <a:off x="5091726" y="5738568"/>
+            <a:off x="6536597" y="5738567"/>
             <a:ext cx="1688772" cy="369332"/>
           </a:xfrm>
           <a:prstGeom prst="rect">
@@ -8290,7 +8347,7 @@
         </p:nvSpPr>
         <p:spPr>
           <a:xfrm flipH="1">
-            <a:off x="8646123" y="5738568"/>
+            <a:off x="9376332" y="5738568"/>
             <a:ext cx="1880953" cy="369332"/>
           </a:xfrm>
           <a:prstGeom prst="rect">
@@ -8333,6 +8390,141 @@
           </a:p>
         </p:txBody>
       </p:sp>
+      <p:sp>
+        <p:nvSpPr>
+          <p:cNvPr id="13" name="TextBox 12">
+            <a:extLst>
+              <a:ext uri="{FF2B5EF4-FFF2-40B4-BE49-F238E27FC236}">
+                <a16:creationId xmlns:a16="http://schemas.microsoft.com/office/drawing/2014/main" id="{26733F59-3DB1-48E3-ADB5-DFF132A0342A}"/>
+              </a:ext>
+            </a:extLst>
+          </p:cNvPr>
+          <p:cNvSpPr txBox="1"/>
+          <p:nvPr/>
+        </p:nvSpPr>
+        <p:spPr>
+          <a:xfrm flipH="1">
+            <a:off x="3560493" y="5738567"/>
+            <a:ext cx="1688772" cy="369332"/>
+          </a:xfrm>
+          <a:prstGeom prst="rect">
+            <a:avLst/>
+          </a:prstGeom>
+          <a:noFill/>
+        </p:spPr>
+        <p:txBody>
+          <a:bodyPr wrap="square" rtlCol="0">
+            <a:spAutoFit/>
+          </a:bodyPr>
+          <a:lstStyle/>
+          <a:p>
+            <a:pPr algn="ctr"/>
+            <a:r>
+              <a:rPr lang="ko-KR" altLang="en-US" dirty="0">
+                <a:solidFill>
+                  <a:schemeClr val="tx1">
+                    <a:lumMod val="75000"/>
+                    <a:lumOff val="25000"/>
+                  </a:schemeClr>
+                </a:solidFill>
+                <a:latin typeface="함초롬돋움" panose="020B0604000101010101" pitchFamily="50" charset="-127"/>
+                <a:ea typeface="함초롬돋움" panose="020B0604000101010101" pitchFamily="50" charset="-127"/>
+                <a:cs typeface="함초롬돋움" panose="020B0604000101010101" pitchFamily="50" charset="-127"/>
+              </a:rPr>
+              <a:t>분류 안내</a:t>
+            </a:r>
+            <a:r>
+              <a:rPr lang="en-US" altLang="ko-KR" dirty="0">
+                <a:solidFill>
+                  <a:schemeClr val="tx1">
+                    <a:lumMod val="75000"/>
+                    <a:lumOff val="25000"/>
+                  </a:schemeClr>
+                </a:solidFill>
+                <a:latin typeface="함초롬돋움" panose="020B0604000101010101" pitchFamily="50" charset="-127"/>
+                <a:ea typeface="함초롬돋움" panose="020B0604000101010101" pitchFamily="50" charset="-127"/>
+                <a:cs typeface="함초롬돋움" panose="020B0604000101010101" pitchFamily="50" charset="-127"/>
+              </a:rPr>
+              <a:t>(</a:t>
+            </a:r>
+            <a:r>
+              <a:rPr lang="ko-KR" altLang="en-US" dirty="0">
+                <a:solidFill>
+                  <a:schemeClr val="tx1">
+                    <a:lumMod val="75000"/>
+                    <a:lumOff val="25000"/>
+                  </a:schemeClr>
+                </a:solidFill>
+                <a:latin typeface="함초롬돋움" panose="020B0604000101010101" pitchFamily="50" charset="-127"/>
+                <a:ea typeface="함초롬돋움" panose="020B0604000101010101" pitchFamily="50" charset="-127"/>
+                <a:cs typeface="함초롬돋움" panose="020B0604000101010101" pitchFamily="50" charset="-127"/>
+              </a:rPr>
+              <a:t>유리</a:t>
+            </a:r>
+            <a:r>
+              <a:rPr lang="en-US" altLang="ko-KR" dirty="0">
+                <a:solidFill>
+                  <a:schemeClr val="tx1">
+                    <a:lumMod val="75000"/>
+                    <a:lumOff val="25000"/>
+                  </a:schemeClr>
+                </a:solidFill>
+                <a:latin typeface="함초롬돋움" panose="020B0604000101010101" pitchFamily="50" charset="-127"/>
+                <a:ea typeface="함초롬돋움" panose="020B0604000101010101" pitchFamily="50" charset="-127"/>
+                <a:cs typeface="함초롬돋움" panose="020B0604000101010101" pitchFamily="50" charset="-127"/>
+              </a:rPr>
+              <a:t>)</a:t>
+            </a:r>
+            <a:endParaRPr lang="ko-KR" altLang="en-US" dirty="0">
+              <a:solidFill>
+                <a:schemeClr val="tx1">
+                  <a:lumMod val="75000"/>
+                  <a:lumOff val="25000"/>
+                </a:schemeClr>
+              </a:solidFill>
+              <a:latin typeface="함초롬돋움" panose="020B0604000101010101" pitchFamily="50" charset="-127"/>
+              <a:ea typeface="함초롬돋움" panose="020B0604000101010101" pitchFamily="50" charset="-127"/>
+              <a:cs typeface="함초롬돋움" panose="020B0604000101010101" pitchFamily="50" charset="-127"/>
+            </a:endParaRPr>
+          </a:p>
+        </p:txBody>
+      </p:sp>
+      <p:pic>
+        <p:nvPicPr>
+          <p:cNvPr id="11" name="그림 10">
+            <a:extLst>
+              <a:ext uri="{FF2B5EF4-FFF2-40B4-BE49-F238E27FC236}">
+                <a16:creationId xmlns:a16="http://schemas.microsoft.com/office/drawing/2014/main" id="{D5F60748-0B26-41A9-A37D-00FC0C39F9AE}"/>
+              </a:ext>
+            </a:extLst>
+          </p:cNvPr>
+          <p:cNvPicPr>
+            <a:picLocks noChangeAspect="1"/>
+          </p:cNvPicPr>
+          <p:nvPr/>
+        </p:nvPicPr>
+        <p:blipFill>
+          <a:blip r:embed="rId5" cstate="screen">
+            <a:extLst>
+              <a:ext uri="{28A0092B-C50C-407E-A947-70E740481C1C}">
+                <a14:useLocalDpi xmlns:a14="http://schemas.microsoft.com/office/drawing/2010/main" val="0"/>
+              </a:ext>
+            </a:extLst>
+          </a:blip>
+          <a:stretch>
+            <a:fillRect/>
+          </a:stretch>
+        </p:blipFill>
+        <p:spPr>
+          <a:xfrm>
+            <a:off x="746434" y="1417707"/>
+            <a:ext cx="1869529" cy="3776153"/>
+          </a:xfrm>
+          <a:prstGeom prst="rect">
+            <a:avLst/>
+          </a:prstGeom>
+        </p:spPr>
+      </p:pic>
     </p:spTree>
     <p:extLst>
       <p:ext uri="{BB962C8B-B14F-4D97-AF65-F5344CB8AC3E}">
@@ -8391,24 +8583,47 @@
             <p:ph idx="1"/>
           </p:nvPr>
         </p:nvSpPr>
-        <p:spPr/>
-        <p:txBody>
-          <a:bodyPr/>
-          <a:lstStyle/>
+        <p:spPr>
+          <a:xfrm>
+            <a:off x="838200" y="880533"/>
+            <a:ext cx="10515600" cy="5359400"/>
+          </a:xfrm>
+        </p:spPr>
+        <p:txBody>
+          <a:bodyPr>
+            <a:normAutofit/>
+          </a:bodyPr>
+          <a:lstStyle/>
+          <a:p>
+            <a:pPr marL="0" indent="0">
+              <a:buNone/>
+            </a:pPr>
+            <a:endParaRPr lang="en-US" altLang="ko-KR" dirty="0">
+              <a:latin typeface="한컴 말랑말랑 Regular" panose="020F0303000000000000" pitchFamily="50" charset="-127"/>
+              <a:ea typeface="한컴 말랑말랑 Regular" panose="020F0303000000000000" pitchFamily="50" charset="-127"/>
+            </a:endParaRPr>
+          </a:p>
           <a:p>
             <a:r>
               <a:rPr lang="ko-KR" altLang="en-US" dirty="0">
                 <a:latin typeface="한컴 말랑말랑 Regular" panose="020F0303000000000000" pitchFamily="50" charset="-127"/>
                 <a:ea typeface="한컴 말랑말랑 Regular" panose="020F0303000000000000" pitchFamily="50" charset="-127"/>
               </a:rPr>
-              <a:t>깃 허브 주소 </a:t>
+              <a:t>깃 허브 </a:t>
             </a:r>
             <a:r>
               <a:rPr lang="en-US" altLang="ko-KR" dirty="0">
                 <a:latin typeface="한컴 말랑말랑 Regular" panose="020F0303000000000000" pitchFamily="50" charset="-127"/>
                 <a:ea typeface="한컴 말랑말랑 Regular" panose="020F0303000000000000" pitchFamily="50" charset="-127"/>
               </a:rPr>
-              <a:t>: https://github.com/kimsungbo1593/mobileApp</a:t>
+              <a:t>9/15 </a:t>
+            </a:r>
+            <a:r>
+              <a:rPr lang="ko-KR" altLang="en-US" dirty="0">
+                <a:latin typeface="한컴 말랑말랑 Regular" panose="020F0303000000000000" pitchFamily="50" charset="-127"/>
+                <a:ea typeface="한컴 말랑말랑 Regular" panose="020F0303000000000000" pitchFamily="50" charset="-127"/>
+              </a:rPr>
+              <a:t>점</a:t>
             </a:r>
             <a:br>
               <a:rPr lang="en-US" altLang="ko-KR" dirty="0">
@@ -8422,6 +8637,33 @@
             </a:endParaRPr>
           </a:p>
           <a:p>
+            <a:r>
+              <a:rPr lang="ko-KR" altLang="en-US" dirty="0">
+                <a:latin typeface="한컴 말랑말랑 Regular" panose="020F0303000000000000" pitchFamily="50" charset="-127"/>
+                <a:ea typeface="한컴 말랑말랑 Regular" panose="020F0303000000000000" pitchFamily="50" charset="-127"/>
+              </a:rPr>
+              <a:t>발표 </a:t>
+            </a:r>
+            <a:r>
+              <a:rPr lang="en-US" altLang="ko-KR" dirty="0">
+                <a:latin typeface="한컴 말랑말랑 Regular" panose="020F0303000000000000" pitchFamily="50" charset="-127"/>
+                <a:ea typeface="한컴 말랑말랑 Regular" panose="020F0303000000000000" pitchFamily="50" charset="-127"/>
+              </a:rPr>
+              <a:t>12/15 </a:t>
+            </a:r>
+            <a:r>
+              <a:rPr lang="ko-KR" altLang="en-US" dirty="0">
+                <a:latin typeface="한컴 말랑말랑 Regular" panose="020F0303000000000000" pitchFamily="50" charset="-127"/>
+                <a:ea typeface="한컴 말랑말랑 Regular" panose="020F0303000000000000" pitchFamily="50" charset="-127"/>
+              </a:rPr>
+              <a:t>점</a:t>
+            </a:r>
+            <a:br>
+              <a:rPr lang="en-US" altLang="ko-KR" dirty="0">
+                <a:latin typeface="한컴 말랑말랑 Regular" panose="020F0303000000000000" pitchFamily="50" charset="-127"/>
+                <a:ea typeface="한컴 말랑말랑 Regular" panose="020F0303000000000000" pitchFamily="50" charset="-127"/>
+              </a:rPr>
+            </a:br>
             <a:endParaRPr lang="en-US" altLang="ko-KR" dirty="0">
               <a:latin typeface="한컴 말랑말랑 Regular" panose="020F0303000000000000" pitchFamily="50" charset="-127"/>
               <a:ea typeface="한컴 말랑말랑 Regular" panose="020F0303000000000000" pitchFamily="50" charset="-127"/>
@@ -8429,11 +8671,18 @@
           </a:p>
           <a:p>
             <a:r>
+              <a:rPr lang="ko-KR" altLang="en-US" dirty="0">
+                <a:latin typeface="한컴 말랑말랑 Regular" panose="020F0303000000000000" pitchFamily="50" charset="-127"/>
+                <a:ea typeface="한컴 말랑말랑 Regular" panose="020F0303000000000000" pitchFamily="50" charset="-127"/>
+              </a:rPr>
+              <a:t>총 </a:t>
+            </a:r>
+            <a:r>
               <a:rPr lang="en-US" altLang="ko-KR" dirty="0">
                 <a:latin typeface="한컴 말랑말랑 Regular" panose="020F0303000000000000" pitchFamily="50" charset="-127"/>
                 <a:ea typeface="한컴 말랑말랑 Regular" panose="020F0303000000000000" pitchFamily="50" charset="-127"/>
               </a:rPr>
-              <a:t>9/15 </a:t>
+              <a:t>21</a:t>
             </a:r>
             <a:r>
               <a:rPr lang="ko-KR" altLang="en-US" dirty="0">
@@ -8441,6 +8690,121 @@
                 <a:ea typeface="한컴 말랑말랑 Regular" panose="020F0303000000000000" pitchFamily="50" charset="-127"/>
               </a:rPr>
               <a:t>점</a:t>
+            </a:r>
+            <a:br>
+              <a:rPr lang="en-US" altLang="ko-KR" dirty="0">
+                <a:latin typeface="한컴 말랑말랑 Regular" panose="020F0303000000000000" pitchFamily="50" charset="-127"/>
+                <a:ea typeface="한컴 말랑말랑 Regular" panose="020F0303000000000000" pitchFamily="50" charset="-127"/>
+              </a:rPr>
+            </a:br>
+            <a:br>
+              <a:rPr lang="en-US" altLang="ko-KR" dirty="0">
+                <a:latin typeface="한컴 말랑말랑 Regular" panose="020F0303000000000000" pitchFamily="50" charset="-127"/>
+                <a:ea typeface="한컴 말랑말랑 Regular" panose="020F0303000000000000" pitchFamily="50" charset="-127"/>
+              </a:rPr>
+            </a:br>
+            <a:br>
+              <a:rPr lang="en-US" altLang="ko-KR" dirty="0">
+                <a:latin typeface="한컴 말랑말랑 Regular" panose="020F0303000000000000" pitchFamily="50" charset="-127"/>
+                <a:ea typeface="한컴 말랑말랑 Regular" panose="020F0303000000000000" pitchFamily="50" charset="-127"/>
+              </a:rPr>
+            </a:br>
+            <a:r>
+              <a:rPr lang="ko-KR" altLang="en-US" dirty="0">
+                <a:latin typeface="한컴 말랑말랑 Regular" panose="020F0303000000000000" pitchFamily="50" charset="-127"/>
+                <a:ea typeface="한컴 말랑말랑 Regular" panose="020F0303000000000000" pitchFamily="50" charset="-127"/>
+              </a:rPr>
+              <a:t>이유</a:t>
+            </a:r>
+            <a:r>
+              <a:rPr lang="en-US" altLang="ko-KR" dirty="0">
+                <a:latin typeface="한컴 말랑말랑 Regular" panose="020F0303000000000000" pitchFamily="50" charset="-127"/>
+                <a:ea typeface="한컴 말랑말랑 Regular" panose="020F0303000000000000" pitchFamily="50" charset="-127"/>
+              </a:rPr>
+              <a:t> : </a:t>
+            </a:r>
+            <a:r>
+              <a:rPr lang="ko-KR" altLang="en-US" dirty="0">
+                <a:latin typeface="한컴 말랑말랑 Regular" panose="020F0303000000000000" pitchFamily="50" charset="-127"/>
+                <a:ea typeface="한컴 말랑말랑 Regular" panose="020F0303000000000000" pitchFamily="50" charset="-127"/>
+              </a:rPr>
+              <a:t>코딩 챌린지 </a:t>
+            </a:r>
+            <a:r>
+              <a:rPr lang="en-US" altLang="ko-KR" dirty="0">
+                <a:latin typeface="한컴 말랑말랑 Regular" panose="020F0303000000000000" pitchFamily="50" charset="-127"/>
+                <a:ea typeface="한컴 말랑말랑 Regular" panose="020F0303000000000000" pitchFamily="50" charset="-127"/>
+              </a:rPr>
+              <a:t>4</a:t>
+            </a:r>
+            <a:r>
+              <a:rPr lang="ko-KR" altLang="en-US" dirty="0">
+                <a:latin typeface="한컴 말랑말랑 Regular" panose="020F0303000000000000" pitchFamily="50" charset="-127"/>
+                <a:ea typeface="한컴 말랑말랑 Regular" panose="020F0303000000000000" pitchFamily="50" charset="-127"/>
+              </a:rPr>
+              <a:t>개를 업로드하지 못했고</a:t>
+            </a:r>
+            <a:r>
+              <a:rPr lang="en-US" altLang="ko-KR" dirty="0">
+                <a:latin typeface="한컴 말랑말랑 Regular" panose="020F0303000000000000" pitchFamily="50" charset="-127"/>
+                <a:ea typeface="한컴 말랑말랑 Regular" panose="020F0303000000000000" pitchFamily="50" charset="-127"/>
+              </a:rPr>
+              <a:t>,</a:t>
+            </a:r>
+            <a:br>
+              <a:rPr lang="en-US" altLang="ko-KR" dirty="0">
+                <a:latin typeface="한컴 말랑말랑 Regular" panose="020F0303000000000000" pitchFamily="50" charset="-127"/>
+                <a:ea typeface="한컴 말랑말랑 Regular" panose="020F0303000000000000" pitchFamily="50" charset="-127"/>
+              </a:rPr>
+            </a:br>
+            <a:r>
+              <a:rPr lang="en-US" altLang="ko-KR" dirty="0">
+                <a:latin typeface="한컴 말랑말랑 Regular" panose="020F0303000000000000" pitchFamily="50" charset="-127"/>
+                <a:ea typeface="한컴 말랑말랑 Regular" panose="020F0303000000000000" pitchFamily="50" charset="-127"/>
+              </a:rPr>
+              <a:t>	  </a:t>
+            </a:r>
+            <a:r>
+              <a:rPr lang="ko-KR" altLang="en-US" dirty="0">
+                <a:latin typeface="한컴 말랑말랑 Regular" panose="020F0303000000000000" pitchFamily="50" charset="-127"/>
+                <a:ea typeface="한컴 말랑말랑 Regular" panose="020F0303000000000000" pitchFamily="50" charset="-127"/>
+              </a:rPr>
+              <a:t>앱을 실행했을 때 자신의 위치는 보이지만</a:t>
+            </a:r>
+            <a:r>
+              <a:rPr lang="en-US" altLang="ko-KR" dirty="0">
+                <a:latin typeface="한컴 말랑말랑 Regular" panose="020F0303000000000000" pitchFamily="50" charset="-127"/>
+                <a:ea typeface="한컴 말랑말랑 Regular" panose="020F0303000000000000" pitchFamily="50" charset="-127"/>
+              </a:rPr>
+              <a:t>, </a:t>
+            </a:r>
+            <a:r>
+              <a:rPr lang="ko-KR" altLang="en-US" dirty="0">
+                <a:latin typeface="한컴 말랑말랑 Regular" panose="020F0303000000000000" pitchFamily="50" charset="-127"/>
+                <a:ea typeface="한컴 말랑말랑 Regular" panose="020F0303000000000000" pitchFamily="50" charset="-127"/>
+              </a:rPr>
+              <a:t>검색 결과는 나오지 </a:t>
+            </a:r>
+            <a:r>
+              <a:rPr lang="en-US" altLang="ko-KR" dirty="0">
+                <a:latin typeface="한컴 말랑말랑 Regular" panose="020F0303000000000000" pitchFamily="50" charset="-127"/>
+                <a:ea typeface="한컴 말랑말랑 Regular" panose="020F0303000000000000" pitchFamily="50" charset="-127"/>
+              </a:rPr>
+              <a:t>	  	  </a:t>
+            </a:r>
+            <a:r>
+              <a:rPr lang="ko-KR" altLang="en-US" dirty="0">
+                <a:latin typeface="한컴 말랑말랑 Regular" panose="020F0303000000000000" pitchFamily="50" charset="-127"/>
+                <a:ea typeface="한컴 말랑말랑 Regular" panose="020F0303000000000000" pitchFamily="50" charset="-127"/>
+              </a:rPr>
+              <a:t>않습니다</a:t>
+            </a:r>
+            <a:r>
+              <a:rPr lang="en-US" altLang="ko-KR" dirty="0">
+                <a:latin typeface="한컴 말랑말랑 Regular" panose="020F0303000000000000" pitchFamily="50" charset="-127"/>
+                <a:ea typeface="한컴 말랑말랑 Regular" panose="020F0303000000000000" pitchFamily="50" charset="-127"/>
+              </a:rPr>
+              <a:t>.</a:t>
             </a:r>
           </a:p>
         </p:txBody>

--- a/mobileAppProject/RecyclingApp/202160040김성보 모바일앱개발.pptx
+++ b/mobileAppProject/RecyclingApp/202160040김성보 모바일앱개발.pptx
@@ -5,7 +5,7 @@
     <p:sldMasterId id="2147483648" r:id="rId1"/>
   </p:sldMasterIdLst>
   <p:notesMasterIdLst>
-    <p:notesMasterId r:id="rId9"/>
+    <p:notesMasterId r:id="rId14"/>
   </p:notesMasterIdLst>
   <p:sldIdLst>
     <p:sldId id="262" r:id="rId2"/>
@@ -15,6 +15,11 @@
     <p:sldId id="274" r:id="rId6"/>
     <p:sldId id="285" r:id="rId7"/>
     <p:sldId id="286" r:id="rId8"/>
+    <p:sldId id="287" r:id="rId9"/>
+    <p:sldId id="288" r:id="rId10"/>
+    <p:sldId id="289" r:id="rId11"/>
+    <p:sldId id="290" r:id="rId12"/>
+    <p:sldId id="291" r:id="rId13"/>
   </p:sldIdLst>
   <p:sldSz cx="12192000" cy="6858000"/>
   <p:notesSz cx="6858000" cy="9144000"/>
@@ -4423,6 +4428,456 @@
 </p:sld>
 </file>
 
+<file path=ppt/slides/slide10.xml><?xml version="1.0" encoding="utf-8"?>
+<p:sld xmlns:a="http://schemas.openxmlformats.org/drawingml/2006/main" xmlns:r="http://schemas.openxmlformats.org/officeDocument/2006/relationships" xmlns:p="http://schemas.openxmlformats.org/presentationml/2006/main">
+  <p:cSld>
+    <p:spTree>
+      <p:nvGrpSpPr>
+        <p:cNvPr id="1" name=""/>
+        <p:cNvGrpSpPr/>
+        <p:nvPr/>
+      </p:nvGrpSpPr>
+      <p:grpSpPr>
+        <a:xfrm>
+          <a:off x="0" y="0"/>
+          <a:ext cx="0" cy="0"/>
+          <a:chOff x="0" y="0"/>
+          <a:chExt cx="0" cy="0"/>
+        </a:xfrm>
+      </p:grpSpPr>
+      <p:pic>
+        <p:nvPicPr>
+          <p:cNvPr id="5" name="그림 4">
+            <a:extLst>
+              <a:ext uri="{FF2B5EF4-FFF2-40B4-BE49-F238E27FC236}">
+                <a16:creationId xmlns:a16="http://schemas.microsoft.com/office/drawing/2014/main" id="{938BD814-2650-4D6D-B66F-22F7B0B24F68}"/>
+              </a:ext>
+            </a:extLst>
+          </p:cNvPr>
+          <p:cNvPicPr>
+            <a:picLocks noChangeAspect="1"/>
+          </p:cNvPicPr>
+          <p:nvPr/>
+        </p:nvPicPr>
+        <p:blipFill>
+          <a:blip r:embed="rId2">
+            <a:extLst>
+              <a:ext uri="{28A0092B-C50C-407E-A947-70E740481C1C}">
+                <a14:useLocalDpi xmlns:a14="http://schemas.microsoft.com/office/drawing/2010/main" val="0"/>
+              </a:ext>
+            </a:extLst>
+          </a:blip>
+          <a:stretch>
+            <a:fillRect/>
+          </a:stretch>
+        </p:blipFill>
+        <p:spPr>
+          <a:xfrm>
+            <a:off x="183945" y="138002"/>
+            <a:ext cx="2934109" cy="5077534"/>
+          </a:xfrm>
+          <a:prstGeom prst="rect">
+            <a:avLst/>
+          </a:prstGeom>
+        </p:spPr>
+      </p:pic>
+      <p:pic>
+        <p:nvPicPr>
+          <p:cNvPr id="7" name="그림 6">
+            <a:extLst>
+              <a:ext uri="{FF2B5EF4-FFF2-40B4-BE49-F238E27FC236}">
+                <a16:creationId xmlns:a16="http://schemas.microsoft.com/office/drawing/2014/main" id="{4041AB80-EDD8-45EB-900B-AF43F61ACF76}"/>
+              </a:ext>
+            </a:extLst>
+          </p:cNvPr>
+          <p:cNvPicPr>
+            <a:picLocks noChangeAspect="1"/>
+          </p:cNvPicPr>
+          <p:nvPr/>
+        </p:nvPicPr>
+        <p:blipFill>
+          <a:blip r:embed="rId3">
+            <a:extLst>
+              <a:ext uri="{28A0092B-C50C-407E-A947-70E740481C1C}">
+                <a14:useLocalDpi xmlns:a14="http://schemas.microsoft.com/office/drawing/2010/main" val="0"/>
+              </a:ext>
+            </a:extLst>
+          </a:blip>
+          <a:stretch>
+            <a:fillRect/>
+          </a:stretch>
+        </p:blipFill>
+        <p:spPr>
+          <a:xfrm>
+            <a:off x="3132588" y="147529"/>
+            <a:ext cx="3181794" cy="5068007"/>
+          </a:xfrm>
+          <a:prstGeom prst="rect">
+            <a:avLst/>
+          </a:prstGeom>
+        </p:spPr>
+      </p:pic>
+      <p:pic>
+        <p:nvPicPr>
+          <p:cNvPr id="9" name="그림 8">
+            <a:extLst>
+              <a:ext uri="{FF2B5EF4-FFF2-40B4-BE49-F238E27FC236}">
+                <a16:creationId xmlns:a16="http://schemas.microsoft.com/office/drawing/2014/main" id="{89D2D238-82C4-4DB5-8DB2-C469F4970D14}"/>
+              </a:ext>
+            </a:extLst>
+          </p:cNvPr>
+          <p:cNvPicPr>
+            <a:picLocks noChangeAspect="1"/>
+          </p:cNvPicPr>
+          <p:nvPr/>
+        </p:nvPicPr>
+        <p:blipFill>
+          <a:blip r:embed="rId4">
+            <a:extLst>
+              <a:ext uri="{28A0092B-C50C-407E-A947-70E740481C1C}">
+                <a14:useLocalDpi xmlns:a14="http://schemas.microsoft.com/office/drawing/2010/main" val="0"/>
+              </a:ext>
+            </a:extLst>
+          </a:blip>
+          <a:stretch>
+            <a:fillRect/>
+          </a:stretch>
+        </p:blipFill>
+        <p:spPr>
+          <a:xfrm>
+            <a:off x="8997735" y="147529"/>
+            <a:ext cx="3010320" cy="5382376"/>
+          </a:xfrm>
+          <a:prstGeom prst="rect">
+            <a:avLst/>
+          </a:prstGeom>
+        </p:spPr>
+      </p:pic>
+      <p:pic>
+        <p:nvPicPr>
+          <p:cNvPr id="11" name="그림 10">
+            <a:extLst>
+              <a:ext uri="{FF2B5EF4-FFF2-40B4-BE49-F238E27FC236}">
+                <a16:creationId xmlns:a16="http://schemas.microsoft.com/office/drawing/2014/main" id="{027E4CFA-7DE5-4C39-AD88-473CD96BCBFD}"/>
+              </a:ext>
+            </a:extLst>
+          </p:cNvPr>
+          <p:cNvPicPr>
+            <a:picLocks noChangeAspect="1"/>
+          </p:cNvPicPr>
+          <p:nvPr/>
+        </p:nvPicPr>
+        <p:blipFill>
+          <a:blip r:embed="rId5">
+            <a:extLst>
+              <a:ext uri="{28A0092B-C50C-407E-A947-70E740481C1C}">
+                <a14:useLocalDpi xmlns:a14="http://schemas.microsoft.com/office/drawing/2010/main" val="0"/>
+              </a:ext>
+            </a:extLst>
+          </a:blip>
+          <a:stretch>
+            <a:fillRect/>
+          </a:stretch>
+        </p:blipFill>
+        <p:spPr>
+          <a:xfrm>
+            <a:off x="6430238" y="674690"/>
+            <a:ext cx="2485162" cy="3028277"/>
+          </a:xfrm>
+          <a:prstGeom prst="rect">
+            <a:avLst/>
+          </a:prstGeom>
+        </p:spPr>
+      </p:pic>
+    </p:spTree>
+    <p:extLst>
+      <p:ext uri="{BB962C8B-B14F-4D97-AF65-F5344CB8AC3E}">
+        <p14:creationId xmlns:p14="http://schemas.microsoft.com/office/powerpoint/2010/main" val="2731347271"/>
+      </p:ext>
+    </p:extLst>
+  </p:cSld>
+  <p:clrMapOvr>
+    <a:masterClrMapping/>
+  </p:clrMapOvr>
+</p:sld>
+</file>
+
+<file path=ppt/slides/slide11.xml><?xml version="1.0" encoding="utf-8"?>
+<p:sld xmlns:a="http://schemas.openxmlformats.org/drawingml/2006/main" xmlns:r="http://schemas.openxmlformats.org/officeDocument/2006/relationships" xmlns:p="http://schemas.openxmlformats.org/presentationml/2006/main">
+  <p:cSld>
+    <p:spTree>
+      <p:nvGrpSpPr>
+        <p:cNvPr id="1" name=""/>
+        <p:cNvGrpSpPr/>
+        <p:nvPr/>
+      </p:nvGrpSpPr>
+      <p:grpSpPr>
+        <a:xfrm>
+          <a:off x="0" y="0"/>
+          <a:ext cx="0" cy="0"/>
+          <a:chOff x="0" y="0"/>
+          <a:chExt cx="0" cy="0"/>
+        </a:xfrm>
+      </p:grpSpPr>
+      <p:pic>
+        <p:nvPicPr>
+          <p:cNvPr id="3" name="그림 2">
+            <a:extLst>
+              <a:ext uri="{FF2B5EF4-FFF2-40B4-BE49-F238E27FC236}">
+                <a16:creationId xmlns:a16="http://schemas.microsoft.com/office/drawing/2014/main" id="{E08272E5-ABEA-41A4-B2E1-FFEF27D6F791}"/>
+              </a:ext>
+            </a:extLst>
+          </p:cNvPr>
+          <p:cNvPicPr>
+            <a:picLocks noChangeAspect="1"/>
+          </p:cNvPicPr>
+          <p:nvPr/>
+        </p:nvPicPr>
+        <p:blipFill>
+          <a:blip r:embed="rId2">
+            <a:extLst>
+              <a:ext uri="{28A0092B-C50C-407E-A947-70E740481C1C}">
+                <a14:useLocalDpi xmlns:a14="http://schemas.microsoft.com/office/drawing/2010/main" val="0"/>
+              </a:ext>
+            </a:extLst>
+          </a:blip>
+          <a:stretch>
+            <a:fillRect/>
+          </a:stretch>
+        </p:blipFill>
+        <p:spPr>
+          <a:xfrm>
+            <a:off x="3362772" y="122824"/>
+            <a:ext cx="2886478" cy="5220760"/>
+          </a:xfrm>
+          <a:prstGeom prst="rect">
+            <a:avLst/>
+          </a:prstGeom>
+        </p:spPr>
+      </p:pic>
+      <p:pic>
+        <p:nvPicPr>
+          <p:cNvPr id="6" name="그림 5">
+            <a:extLst>
+              <a:ext uri="{FF2B5EF4-FFF2-40B4-BE49-F238E27FC236}">
+                <a16:creationId xmlns:a16="http://schemas.microsoft.com/office/drawing/2014/main" id="{EC6436CE-EDC8-4043-B949-40389F07DAC7}"/>
+              </a:ext>
+            </a:extLst>
+          </p:cNvPr>
+          <p:cNvPicPr>
+            <a:picLocks noChangeAspect="1"/>
+          </p:cNvPicPr>
+          <p:nvPr/>
+        </p:nvPicPr>
+        <p:blipFill>
+          <a:blip r:embed="rId3">
+            <a:extLst>
+              <a:ext uri="{28A0092B-C50C-407E-A947-70E740481C1C}">
+                <a14:useLocalDpi xmlns:a14="http://schemas.microsoft.com/office/drawing/2010/main" val="0"/>
+              </a:ext>
+            </a:extLst>
+          </a:blip>
+          <a:stretch>
+            <a:fillRect/>
+          </a:stretch>
+        </p:blipFill>
+        <p:spPr>
+          <a:xfrm>
+            <a:off x="190504" y="122824"/>
+            <a:ext cx="2886478" cy="2695951"/>
+          </a:xfrm>
+          <a:prstGeom prst="rect">
+            <a:avLst/>
+          </a:prstGeom>
+        </p:spPr>
+      </p:pic>
+      <p:pic>
+        <p:nvPicPr>
+          <p:cNvPr id="10" name="그림 9">
+            <a:extLst>
+              <a:ext uri="{FF2B5EF4-FFF2-40B4-BE49-F238E27FC236}">
+                <a16:creationId xmlns:a16="http://schemas.microsoft.com/office/drawing/2014/main" id="{1958BC17-8720-4028-AAF3-8F8AB624B7D3}"/>
+              </a:ext>
+            </a:extLst>
+          </p:cNvPr>
+          <p:cNvPicPr>
+            <a:picLocks noChangeAspect="1"/>
+          </p:cNvPicPr>
+          <p:nvPr/>
+        </p:nvPicPr>
+        <p:blipFill>
+          <a:blip r:embed="rId4">
+            <a:extLst>
+              <a:ext uri="{28A0092B-C50C-407E-A947-70E740481C1C}">
+                <a14:useLocalDpi xmlns:a14="http://schemas.microsoft.com/office/drawing/2010/main" val="0"/>
+              </a:ext>
+            </a:extLst>
+          </a:blip>
+          <a:stretch>
+            <a:fillRect/>
+          </a:stretch>
+        </p:blipFill>
+        <p:spPr>
+          <a:xfrm>
+            <a:off x="9237133" y="199574"/>
+            <a:ext cx="2758248" cy="5239086"/>
+          </a:xfrm>
+          <a:prstGeom prst="rect">
+            <a:avLst/>
+          </a:prstGeom>
+        </p:spPr>
+      </p:pic>
+      <p:pic>
+        <p:nvPicPr>
+          <p:cNvPr id="13" name="그림 12">
+            <a:extLst>
+              <a:ext uri="{FF2B5EF4-FFF2-40B4-BE49-F238E27FC236}">
+                <a16:creationId xmlns:a16="http://schemas.microsoft.com/office/drawing/2014/main" id="{1C9B76F4-198A-48EE-9F3C-137ED0D3EACB}"/>
+              </a:ext>
+            </a:extLst>
+          </p:cNvPr>
+          <p:cNvPicPr>
+            <a:picLocks noChangeAspect="1"/>
+          </p:cNvPicPr>
+          <p:nvPr/>
+        </p:nvPicPr>
+        <p:blipFill>
+          <a:blip r:embed="rId5">
+            <a:extLst>
+              <a:ext uri="{28A0092B-C50C-407E-A947-70E740481C1C}">
+                <a14:useLocalDpi xmlns:a14="http://schemas.microsoft.com/office/drawing/2010/main" val="0"/>
+              </a:ext>
+            </a:extLst>
+          </a:blip>
+          <a:stretch>
+            <a:fillRect/>
+          </a:stretch>
+        </p:blipFill>
+        <p:spPr>
+          <a:xfrm>
+            <a:off x="6535040" y="280548"/>
+            <a:ext cx="2600688" cy="2658481"/>
+          </a:xfrm>
+          <a:prstGeom prst="rect">
+            <a:avLst/>
+          </a:prstGeom>
+        </p:spPr>
+      </p:pic>
+    </p:spTree>
+    <p:extLst>
+      <p:ext uri="{BB962C8B-B14F-4D97-AF65-F5344CB8AC3E}">
+        <p14:creationId xmlns:p14="http://schemas.microsoft.com/office/powerpoint/2010/main" val="3276800213"/>
+      </p:ext>
+    </p:extLst>
+  </p:cSld>
+  <p:clrMapOvr>
+    <a:masterClrMapping/>
+  </p:clrMapOvr>
+</p:sld>
+</file>
+
+<file path=ppt/slides/slide12.xml><?xml version="1.0" encoding="utf-8"?>
+<p:sld xmlns:a="http://schemas.openxmlformats.org/drawingml/2006/main" xmlns:r="http://schemas.openxmlformats.org/officeDocument/2006/relationships" xmlns:p="http://schemas.openxmlformats.org/presentationml/2006/main">
+  <p:cSld>
+    <p:spTree>
+      <p:nvGrpSpPr>
+        <p:cNvPr id="1" name=""/>
+        <p:cNvGrpSpPr/>
+        <p:nvPr/>
+      </p:nvGrpSpPr>
+      <p:grpSpPr>
+        <a:xfrm>
+          <a:off x="0" y="0"/>
+          <a:ext cx="0" cy="0"/>
+          <a:chOff x="0" y="0"/>
+          <a:chExt cx="0" cy="0"/>
+        </a:xfrm>
+      </p:grpSpPr>
+      <p:pic>
+        <p:nvPicPr>
+          <p:cNvPr id="3" name="그림 2">
+            <a:extLst>
+              <a:ext uri="{FF2B5EF4-FFF2-40B4-BE49-F238E27FC236}">
+                <a16:creationId xmlns:a16="http://schemas.microsoft.com/office/drawing/2014/main" id="{CA7FD92B-5806-4A30-9282-476B8BFC1172}"/>
+              </a:ext>
+            </a:extLst>
+          </p:cNvPr>
+          <p:cNvPicPr>
+            <a:picLocks noChangeAspect="1"/>
+          </p:cNvPicPr>
+          <p:nvPr/>
+        </p:nvPicPr>
+        <p:blipFill>
+          <a:blip r:embed="rId2">
+            <a:extLst>
+              <a:ext uri="{28A0092B-C50C-407E-A947-70E740481C1C}">
+                <a14:useLocalDpi xmlns:a14="http://schemas.microsoft.com/office/drawing/2010/main" val="0"/>
+              </a:ext>
+            </a:extLst>
+          </a:blip>
+          <a:stretch>
+            <a:fillRect/>
+          </a:stretch>
+        </p:blipFill>
+        <p:spPr>
+          <a:xfrm>
+            <a:off x="5300349" y="97449"/>
+            <a:ext cx="4486901" cy="6392167"/>
+          </a:xfrm>
+          <a:prstGeom prst="rect">
+            <a:avLst/>
+          </a:prstGeom>
+        </p:spPr>
+      </p:pic>
+      <p:pic>
+        <p:nvPicPr>
+          <p:cNvPr id="6" name="그림 5">
+            <a:extLst>
+              <a:ext uri="{FF2B5EF4-FFF2-40B4-BE49-F238E27FC236}">
+                <a16:creationId xmlns:a16="http://schemas.microsoft.com/office/drawing/2014/main" id="{AF1E45D6-E637-476C-BAAE-02E8F7C3A4D8}"/>
+              </a:ext>
+            </a:extLst>
+          </p:cNvPr>
+          <p:cNvPicPr>
+            <a:picLocks noChangeAspect="1"/>
+          </p:cNvPicPr>
+          <p:nvPr/>
+        </p:nvPicPr>
+        <p:blipFill>
+          <a:blip r:embed="rId3">
+            <a:extLst>
+              <a:ext uri="{28A0092B-C50C-407E-A947-70E740481C1C}">
+                <a14:useLocalDpi xmlns:a14="http://schemas.microsoft.com/office/drawing/2010/main" val="0"/>
+              </a:ext>
+            </a:extLst>
+          </a:blip>
+          <a:stretch>
+            <a:fillRect/>
+          </a:stretch>
+        </p:blipFill>
+        <p:spPr>
+          <a:xfrm>
+            <a:off x="532843" y="542316"/>
+            <a:ext cx="3924848" cy="4667901"/>
+          </a:xfrm>
+          <a:prstGeom prst="rect">
+            <a:avLst/>
+          </a:prstGeom>
+        </p:spPr>
+      </p:pic>
+    </p:spTree>
+    <p:extLst>
+      <p:ext uri="{BB962C8B-B14F-4D97-AF65-F5344CB8AC3E}">
+        <p14:creationId xmlns:p14="http://schemas.microsoft.com/office/powerpoint/2010/main" val="702052524"/>
+      </p:ext>
+    </p:extLst>
+  </p:cSld>
+  <p:clrMapOvr>
+    <a:masterClrMapping/>
+  </p:clrMapOvr>
+</p:sld>
+</file>
+
 <file path=ppt/slides/slide2.xml><?xml version="1.0" encoding="utf-8"?>
 <p:sld xmlns:a="http://schemas.openxmlformats.org/drawingml/2006/main" xmlns:r="http://schemas.openxmlformats.org/officeDocument/2006/relationships" xmlns:p="http://schemas.openxmlformats.org/presentationml/2006/main">
   <p:cSld>
@@ -8616,7 +9071,7 @@
                 <a:latin typeface="한컴 말랑말랑 Regular" panose="020F0303000000000000" pitchFamily="50" charset="-127"/>
                 <a:ea typeface="한컴 말랑말랑 Regular" panose="020F0303000000000000" pitchFamily="50" charset="-127"/>
               </a:rPr>
-              <a:t>9/15 </a:t>
+              <a:t>8.5/15 </a:t>
             </a:r>
             <a:r>
               <a:rPr lang="ko-KR" altLang="en-US" dirty="0">
@@ -8682,7 +9137,7 @@
                 <a:latin typeface="한컴 말랑말랑 Regular" panose="020F0303000000000000" pitchFamily="50" charset="-127"/>
                 <a:ea typeface="한컴 말랑말랑 Regular" panose="020F0303000000000000" pitchFamily="50" charset="-127"/>
               </a:rPr>
-              <a:t>21</a:t>
+              <a:t>20.5</a:t>
             </a:r>
             <a:r>
               <a:rPr lang="ko-KR" altLang="en-US" dirty="0">
@@ -8728,21 +9183,35 @@
                 <a:latin typeface="한컴 말랑말랑 Regular" panose="020F0303000000000000" pitchFamily="50" charset="-127"/>
                 <a:ea typeface="한컴 말랑말랑 Regular" panose="020F0303000000000000" pitchFamily="50" charset="-127"/>
               </a:rPr>
-              <a:t>코딩 챌린지 </a:t>
-            </a:r>
-            <a:r>
-              <a:rPr lang="en-US" altLang="ko-KR" dirty="0">
+              <a:t>코딩 </a:t>
+            </a:r>
+            <a:r>
+              <a:rPr lang="ko-KR" altLang="en-US" dirty="0" err="1">
                 <a:latin typeface="한컴 말랑말랑 Regular" panose="020F0303000000000000" pitchFamily="50" charset="-127"/>
                 <a:ea typeface="한컴 말랑말랑 Regular" panose="020F0303000000000000" pitchFamily="50" charset="-127"/>
               </a:rPr>
-              <a:t>4</a:t>
+              <a:t>챌린지를</a:t>
             </a:r>
             <a:r>
               <a:rPr lang="ko-KR" altLang="en-US" dirty="0">
                 <a:latin typeface="한컴 말랑말랑 Regular" panose="020F0303000000000000" pitchFamily="50" charset="-127"/>
                 <a:ea typeface="한컴 말랑말랑 Regular" panose="020F0303000000000000" pitchFamily="50" charset="-127"/>
               </a:rPr>
-              <a:t>개를 업로드하지 못했고</a:t>
+              <a:t> 업로드하지 </a:t>
+            </a:r>
+            <a:r>
+              <a:rPr lang="ko-KR" altLang="en-US" dirty="0" err="1">
+                <a:latin typeface="한컴 말랑말랑 Regular" panose="020F0303000000000000" pitchFamily="50" charset="-127"/>
+                <a:ea typeface="한컴 말랑말랑 Regular" panose="020F0303000000000000" pitchFamily="50" charset="-127"/>
+              </a:rPr>
+              <a:t>못한것이</a:t>
+            </a:r>
+            <a:r>
+              <a:rPr lang="ko-KR" altLang="en-US" dirty="0">
+                <a:latin typeface="한컴 말랑말랑 Regular" panose="020F0303000000000000" pitchFamily="50" charset="-127"/>
+                <a:ea typeface="한컴 말랑말랑 Regular" panose="020F0303000000000000" pitchFamily="50" charset="-127"/>
+              </a:rPr>
+              <a:t> 있고</a:t>
             </a:r>
             <a:r>
               <a:rPr lang="en-US" altLang="ko-KR" dirty="0">
@@ -8813,6 +9282,390 @@
     <p:extLst>
       <p:ext uri="{BB962C8B-B14F-4D97-AF65-F5344CB8AC3E}">
         <p14:creationId xmlns:p14="http://schemas.microsoft.com/office/powerpoint/2010/main" val="281057888"/>
+      </p:ext>
+    </p:extLst>
+  </p:cSld>
+  <p:clrMapOvr>
+    <a:masterClrMapping/>
+  </p:clrMapOvr>
+</p:sld>
+</file>
+
+<file path=ppt/slides/slide8.xml><?xml version="1.0" encoding="utf-8"?>
+<p:sld xmlns:a="http://schemas.openxmlformats.org/drawingml/2006/main" xmlns:r="http://schemas.openxmlformats.org/officeDocument/2006/relationships" xmlns:p="http://schemas.openxmlformats.org/presentationml/2006/main">
+  <p:cSld>
+    <p:spTree>
+      <p:nvGrpSpPr>
+        <p:cNvPr id="1" name=""/>
+        <p:cNvGrpSpPr/>
+        <p:nvPr/>
+      </p:nvGrpSpPr>
+      <p:grpSpPr>
+        <a:xfrm>
+          <a:off x="0" y="0"/>
+          <a:ext cx="0" cy="0"/>
+          <a:chOff x="0" y="0"/>
+          <a:chExt cx="0" cy="0"/>
+        </a:xfrm>
+      </p:grpSpPr>
+      <p:pic>
+        <p:nvPicPr>
+          <p:cNvPr id="5" name="그림 4">
+            <a:extLst>
+              <a:ext uri="{FF2B5EF4-FFF2-40B4-BE49-F238E27FC236}">
+                <a16:creationId xmlns:a16="http://schemas.microsoft.com/office/drawing/2014/main" id="{4B2AC307-DDB2-4963-AAE1-FA8CD491C4CB}"/>
+              </a:ext>
+            </a:extLst>
+          </p:cNvPr>
+          <p:cNvPicPr>
+            <a:picLocks noChangeAspect="1"/>
+          </p:cNvPicPr>
+          <p:nvPr/>
+        </p:nvPicPr>
+        <p:blipFill>
+          <a:blip r:embed="rId2">
+            <a:extLst>
+              <a:ext uri="{28A0092B-C50C-407E-A947-70E740481C1C}">
+                <a14:useLocalDpi xmlns:a14="http://schemas.microsoft.com/office/drawing/2010/main" val="0"/>
+              </a:ext>
+            </a:extLst>
+          </a:blip>
+          <a:stretch>
+            <a:fillRect/>
+          </a:stretch>
+        </p:blipFill>
+        <p:spPr>
+          <a:xfrm>
+            <a:off x="681370" y="183998"/>
+            <a:ext cx="2819794" cy="2172003"/>
+          </a:xfrm>
+          <a:prstGeom prst="rect">
+            <a:avLst/>
+          </a:prstGeom>
+        </p:spPr>
+      </p:pic>
+      <p:pic>
+        <p:nvPicPr>
+          <p:cNvPr id="7" name="그림 6">
+            <a:extLst>
+              <a:ext uri="{FF2B5EF4-FFF2-40B4-BE49-F238E27FC236}">
+                <a16:creationId xmlns:a16="http://schemas.microsoft.com/office/drawing/2014/main" id="{17319BA7-ECC6-4869-97C7-F27E41DD5BA5}"/>
+              </a:ext>
+            </a:extLst>
+          </p:cNvPr>
+          <p:cNvPicPr>
+            <a:picLocks noChangeAspect="1"/>
+          </p:cNvPicPr>
+          <p:nvPr/>
+        </p:nvPicPr>
+        <p:blipFill>
+          <a:blip r:embed="rId3">
+            <a:extLst>
+              <a:ext uri="{28A0092B-C50C-407E-A947-70E740481C1C}">
+                <a14:useLocalDpi xmlns:a14="http://schemas.microsoft.com/office/drawing/2010/main" val="0"/>
+              </a:ext>
+            </a:extLst>
+          </a:blip>
+          <a:stretch>
+            <a:fillRect/>
+          </a:stretch>
+        </p:blipFill>
+        <p:spPr>
+          <a:xfrm>
+            <a:off x="681370" y="2520522"/>
+            <a:ext cx="2943636" cy="4153480"/>
+          </a:xfrm>
+          <a:prstGeom prst="rect">
+            <a:avLst/>
+          </a:prstGeom>
+        </p:spPr>
+      </p:pic>
+      <p:pic>
+        <p:nvPicPr>
+          <p:cNvPr id="9" name="그림 8">
+            <a:extLst>
+              <a:ext uri="{FF2B5EF4-FFF2-40B4-BE49-F238E27FC236}">
+                <a16:creationId xmlns:a16="http://schemas.microsoft.com/office/drawing/2014/main" id="{53AFBB0C-9377-4021-A18B-CA3D17ADEB2E}"/>
+              </a:ext>
+            </a:extLst>
+          </p:cNvPr>
+          <p:cNvPicPr>
+            <a:picLocks noChangeAspect="1"/>
+          </p:cNvPicPr>
+          <p:nvPr/>
+        </p:nvPicPr>
+        <p:blipFill>
+          <a:blip r:embed="rId4">
+            <a:extLst>
+              <a:ext uri="{28A0092B-C50C-407E-A947-70E740481C1C}">
+                <a14:useLocalDpi xmlns:a14="http://schemas.microsoft.com/office/drawing/2010/main" val="0"/>
+              </a:ext>
+            </a:extLst>
+          </a:blip>
+          <a:stretch>
+            <a:fillRect/>
+          </a:stretch>
+        </p:blipFill>
+        <p:spPr>
+          <a:xfrm>
+            <a:off x="4880414" y="323417"/>
+            <a:ext cx="2152950" cy="3105583"/>
+          </a:xfrm>
+          <a:prstGeom prst="rect">
+            <a:avLst/>
+          </a:prstGeom>
+        </p:spPr>
+      </p:pic>
+      <p:pic>
+        <p:nvPicPr>
+          <p:cNvPr id="11" name="그림 10">
+            <a:extLst>
+              <a:ext uri="{FF2B5EF4-FFF2-40B4-BE49-F238E27FC236}">
+                <a16:creationId xmlns:a16="http://schemas.microsoft.com/office/drawing/2014/main" id="{F1EAF2BE-316D-4B2B-BDCE-82B9F8E82013}"/>
+              </a:ext>
+            </a:extLst>
+          </p:cNvPr>
+          <p:cNvPicPr>
+            <a:picLocks noChangeAspect="1"/>
+          </p:cNvPicPr>
+          <p:nvPr/>
+        </p:nvPicPr>
+        <p:blipFill>
+          <a:blip r:embed="rId5">
+            <a:extLst>
+              <a:ext uri="{28A0092B-C50C-407E-A947-70E740481C1C}">
+                <a14:useLocalDpi xmlns:a14="http://schemas.microsoft.com/office/drawing/2010/main" val="0"/>
+              </a:ext>
+            </a:extLst>
+          </a:blip>
+          <a:stretch>
+            <a:fillRect/>
+          </a:stretch>
+        </p:blipFill>
+        <p:spPr>
+          <a:xfrm>
+            <a:off x="7311587" y="183998"/>
+            <a:ext cx="3362794" cy="6516009"/>
+          </a:xfrm>
+          <a:prstGeom prst="rect">
+            <a:avLst/>
+          </a:prstGeom>
+        </p:spPr>
+      </p:pic>
+    </p:spTree>
+    <p:extLst>
+      <p:ext uri="{BB962C8B-B14F-4D97-AF65-F5344CB8AC3E}">
+        <p14:creationId xmlns:p14="http://schemas.microsoft.com/office/powerpoint/2010/main" val="2778940528"/>
+      </p:ext>
+    </p:extLst>
+  </p:cSld>
+  <p:clrMapOvr>
+    <a:masterClrMapping/>
+  </p:clrMapOvr>
+</p:sld>
+</file>
+
+<file path=ppt/slides/slide9.xml><?xml version="1.0" encoding="utf-8"?>
+<p:sld xmlns:a="http://schemas.openxmlformats.org/drawingml/2006/main" xmlns:r="http://schemas.openxmlformats.org/officeDocument/2006/relationships" xmlns:p="http://schemas.openxmlformats.org/presentationml/2006/main">
+  <p:cSld>
+    <p:spTree>
+      <p:nvGrpSpPr>
+        <p:cNvPr id="1" name=""/>
+        <p:cNvGrpSpPr/>
+        <p:nvPr/>
+      </p:nvGrpSpPr>
+      <p:grpSpPr>
+        <a:xfrm>
+          <a:off x="0" y="0"/>
+          <a:ext cx="0" cy="0"/>
+          <a:chOff x="0" y="0"/>
+          <a:chExt cx="0" cy="0"/>
+        </a:xfrm>
+      </p:grpSpPr>
+      <p:pic>
+        <p:nvPicPr>
+          <p:cNvPr id="5" name="그림 4">
+            <a:extLst>
+              <a:ext uri="{FF2B5EF4-FFF2-40B4-BE49-F238E27FC236}">
+                <a16:creationId xmlns:a16="http://schemas.microsoft.com/office/drawing/2014/main" id="{028D2942-D127-4A39-8F6F-D6BCFC7C9F45}"/>
+              </a:ext>
+            </a:extLst>
+          </p:cNvPr>
+          <p:cNvPicPr>
+            <a:picLocks noChangeAspect="1"/>
+          </p:cNvPicPr>
+          <p:nvPr/>
+        </p:nvPicPr>
+        <p:blipFill>
+          <a:blip r:embed="rId2">
+            <a:extLst>
+              <a:ext uri="{28A0092B-C50C-407E-A947-70E740481C1C}">
+                <a14:useLocalDpi xmlns:a14="http://schemas.microsoft.com/office/drawing/2010/main" val="0"/>
+              </a:ext>
+            </a:extLst>
+          </a:blip>
+          <a:stretch>
+            <a:fillRect/>
+          </a:stretch>
+        </p:blipFill>
+        <p:spPr>
+          <a:xfrm>
+            <a:off x="2347627" y="0"/>
+            <a:ext cx="2423469" cy="4891001"/>
+          </a:xfrm>
+          <a:prstGeom prst="rect">
+            <a:avLst/>
+          </a:prstGeom>
+        </p:spPr>
+      </p:pic>
+      <p:pic>
+        <p:nvPicPr>
+          <p:cNvPr id="7" name="그림 6">
+            <a:extLst>
+              <a:ext uri="{FF2B5EF4-FFF2-40B4-BE49-F238E27FC236}">
+                <a16:creationId xmlns:a16="http://schemas.microsoft.com/office/drawing/2014/main" id="{22A1F971-DD03-43CC-9099-30144BE4A676}"/>
+              </a:ext>
+            </a:extLst>
+          </p:cNvPr>
+          <p:cNvPicPr>
+            <a:picLocks noChangeAspect="1"/>
+          </p:cNvPicPr>
+          <p:nvPr/>
+        </p:nvPicPr>
+        <p:blipFill>
+          <a:blip r:embed="rId3">
+            <a:extLst>
+              <a:ext uri="{28A0092B-C50C-407E-A947-70E740481C1C}">
+                <a14:useLocalDpi xmlns:a14="http://schemas.microsoft.com/office/drawing/2010/main" val="0"/>
+              </a:ext>
+            </a:extLst>
+          </a:blip>
+          <a:stretch>
+            <a:fillRect/>
+          </a:stretch>
+        </p:blipFill>
+        <p:spPr>
+          <a:xfrm>
+            <a:off x="111938" y="0"/>
+            <a:ext cx="2080930" cy="5419939"/>
+          </a:xfrm>
+          <a:prstGeom prst="rect">
+            <a:avLst/>
+          </a:prstGeom>
+        </p:spPr>
+      </p:pic>
+      <p:pic>
+        <p:nvPicPr>
+          <p:cNvPr id="9" name="그림 8">
+            <a:extLst>
+              <a:ext uri="{FF2B5EF4-FFF2-40B4-BE49-F238E27FC236}">
+                <a16:creationId xmlns:a16="http://schemas.microsoft.com/office/drawing/2014/main" id="{136373B0-8BF2-4801-B536-2013614BB6E5}"/>
+              </a:ext>
+            </a:extLst>
+          </p:cNvPr>
+          <p:cNvPicPr>
+            <a:picLocks noChangeAspect="1"/>
+          </p:cNvPicPr>
+          <p:nvPr/>
+        </p:nvPicPr>
+        <p:blipFill>
+          <a:blip r:embed="rId4">
+            <a:extLst>
+              <a:ext uri="{28A0092B-C50C-407E-A947-70E740481C1C}">
+                <a14:useLocalDpi xmlns:a14="http://schemas.microsoft.com/office/drawing/2010/main" val="0"/>
+              </a:ext>
+            </a:extLst>
+          </a:blip>
+          <a:stretch>
+            <a:fillRect/>
+          </a:stretch>
+        </p:blipFill>
+        <p:spPr>
+          <a:xfrm>
+            <a:off x="8197580" y="218691"/>
+            <a:ext cx="3696216" cy="6077798"/>
+          </a:xfrm>
+          <a:prstGeom prst="rect">
+            <a:avLst/>
+          </a:prstGeom>
+        </p:spPr>
+      </p:pic>
+      <p:pic>
+        <p:nvPicPr>
+          <p:cNvPr id="11" name="그림 10">
+            <a:extLst>
+              <a:ext uri="{FF2B5EF4-FFF2-40B4-BE49-F238E27FC236}">
+                <a16:creationId xmlns:a16="http://schemas.microsoft.com/office/drawing/2014/main" id="{EC614138-F128-4A14-97C2-C7F5BA596B12}"/>
+              </a:ext>
+            </a:extLst>
+          </p:cNvPr>
+          <p:cNvPicPr>
+            <a:picLocks noChangeAspect="1"/>
+          </p:cNvPicPr>
+          <p:nvPr/>
+        </p:nvPicPr>
+        <p:blipFill>
+          <a:blip r:embed="rId5">
+            <a:extLst>
+              <a:ext uri="{28A0092B-C50C-407E-A947-70E740481C1C}">
+                <a14:useLocalDpi xmlns:a14="http://schemas.microsoft.com/office/drawing/2010/main" val="0"/>
+              </a:ext>
+            </a:extLst>
+          </a:blip>
+          <a:stretch>
+            <a:fillRect/>
+          </a:stretch>
+        </p:blipFill>
+        <p:spPr>
+          <a:xfrm>
+            <a:off x="5091364" y="0"/>
+            <a:ext cx="2972215" cy="3458058"/>
+          </a:xfrm>
+          <a:prstGeom prst="rect">
+            <a:avLst/>
+          </a:prstGeom>
+        </p:spPr>
+      </p:pic>
+      <p:pic>
+        <p:nvPicPr>
+          <p:cNvPr id="13" name="그림 12">
+            <a:extLst>
+              <a:ext uri="{FF2B5EF4-FFF2-40B4-BE49-F238E27FC236}">
+                <a16:creationId xmlns:a16="http://schemas.microsoft.com/office/drawing/2014/main" id="{72D22BBD-23C8-447F-B844-6DFAE4315A66}"/>
+              </a:ext>
+            </a:extLst>
+          </p:cNvPr>
+          <p:cNvPicPr>
+            <a:picLocks noChangeAspect="1"/>
+          </p:cNvPicPr>
+          <p:nvPr/>
+        </p:nvPicPr>
+        <p:blipFill>
+          <a:blip r:embed="rId6">
+            <a:extLst>
+              <a:ext uri="{28A0092B-C50C-407E-A947-70E740481C1C}">
+                <a14:useLocalDpi xmlns:a14="http://schemas.microsoft.com/office/drawing/2010/main" val="0"/>
+              </a:ext>
+            </a:extLst>
+          </a:blip>
+          <a:stretch>
+            <a:fillRect/>
+          </a:stretch>
+        </p:blipFill>
+        <p:spPr>
+          <a:xfrm>
+            <a:off x="5091364" y="3557315"/>
+            <a:ext cx="2724530" cy="2667372"/>
+          </a:xfrm>
+          <a:prstGeom prst="rect">
+            <a:avLst/>
+          </a:prstGeom>
+        </p:spPr>
+      </p:pic>
+    </p:spTree>
+    <p:extLst>
+      <p:ext uri="{BB962C8B-B14F-4D97-AF65-F5344CB8AC3E}">
+        <p14:creationId xmlns:p14="http://schemas.microsoft.com/office/powerpoint/2010/main" val="2656591519"/>
       </p:ext>
     </p:extLst>
   </p:cSld>
